--- a/PPTs/ProgramacionII_Clase_23-2018.pptx
+++ b/PPTs/ProgramacionII_Clase_23-2018.pptx
@@ -117,6 +117,11 @@
       </a:defRPr>
     </a:lvl9pPr>
   </p:defaultTextStyle>
+  <p:extLst>
+    <p:ext uri="{EFAFB233-063F-42B5-8137-9DF3F51BA10A}">
+      <p15:sldGuideLst xmlns:p15="http://schemas.microsoft.com/office/powerpoint/2012/main"/>
+    </p:ext>
+  </p:extLst>
 </p:presentation>
 </file>
 
@@ -202,7 +207,7 @@
           <a:p>
             <a:fld id="{9E773DE6-DE1A-4DB8-BCA4-E501DEAF0967}" type="datetimeFigureOut">
               <a:rPr lang="es-AR" smtClean="0"/>
-              <a:t>24/10/2018</a:t>
+              <a:t>06/11/2018</a:t>
             </a:fld>
             <a:endParaRPr lang="es-AR"/>
           </a:p>
@@ -998,7 +1003,7 @@
           <a:p>
             <a:fld id="{78ABE3C1-DBE1-495D-B57B-2849774B866A}" type="datetimeFigureOut">
               <a:rPr lang="en-US" dirty="0"/>
-              <a:t>10/24/2018</a:t>
+              <a:t>11/6/2018</a:t>
             </a:fld>
             <a:endParaRPr lang="en-US" dirty="0"/>
           </a:p>
@@ -1407,7 +1412,7 @@
           <a:p>
             <a:fld id="{446C117F-5CCF-4837-BE5F-2B92066CAFAF}" type="datetimeFigureOut">
               <a:rPr lang="en-US" dirty="0"/>
-              <a:t>10/24/2018</a:t>
+              <a:t>11/6/2018</a:t>
             </a:fld>
             <a:endParaRPr lang="en-US" dirty="0"/>
           </a:p>
@@ -1738,7 +1743,7 @@
           <a:p>
             <a:fld id="{84EB90BD-B6CE-46B7-997F-7313B992CCDC}" type="datetimeFigureOut">
               <a:rPr lang="en-US" dirty="0"/>
-              <a:t>10/24/2018</a:t>
+              <a:t>11/6/2018</a:t>
             </a:fld>
             <a:endParaRPr lang="en-US" dirty="0"/>
           </a:p>
@@ -2138,7 +2143,7 @@
           <a:p>
             <a:fld id="{CDB9D11F-B188-461D-B23F-39381795C052}" type="datetimeFigureOut">
               <a:rPr lang="en-US" dirty="0"/>
-              <a:t>10/24/2018</a:t>
+              <a:t>11/6/2018</a:t>
             </a:fld>
             <a:endParaRPr lang="en-US" dirty="0"/>
           </a:p>
@@ -2701,7 +2706,7 @@
           <a:p>
             <a:fld id="{52E6D8D9-55A2-4063-B0F3-121F44549695}" type="datetimeFigureOut">
               <a:rPr lang="en-US" dirty="0"/>
-              <a:t>10/24/2018</a:t>
+              <a:t>11/6/2018</a:t>
             </a:fld>
             <a:endParaRPr lang="en-US" dirty="0"/>
           </a:p>
@@ -3377,7 +3382,7 @@
           <a:p>
             <a:fld id="{D4B24536-994D-4021-A283-9F449C0DB509}" type="datetimeFigureOut">
               <a:rPr lang="en-US" dirty="0"/>
-              <a:t>10/24/2018</a:t>
+              <a:t>11/6/2018</a:t>
             </a:fld>
             <a:endParaRPr lang="en-US" dirty="0"/>
           </a:p>
@@ -4285,7 +4290,7 @@
           <a:p>
             <a:fld id="{3CBBBB78-C96F-47B7-AB17-D852CA960AC9}" type="datetimeFigureOut">
               <a:rPr lang="en-US" dirty="0"/>
-              <a:t>10/24/2018</a:t>
+              <a:t>11/6/2018</a:t>
             </a:fld>
             <a:endParaRPr lang="en-US" dirty="0"/>
           </a:p>
@@ -4593,7 +4598,7 @@
           <a:p>
             <a:fld id="{1FA3F48C-C7C6-4055-9F49-3777875E72AE}" type="datetimeFigureOut">
               <a:rPr lang="en-US" dirty="0"/>
-              <a:t>10/24/2018</a:t>
+              <a:t>11/6/2018</a:t>
             </a:fld>
             <a:endParaRPr lang="en-US" dirty="0"/>
           </a:p>
@@ -4852,7 +4857,7 @@
           <a:p>
             <a:fld id="{6178E61D-D431-422C-9764-11DAFE33AB63}" type="datetimeFigureOut">
               <a:rPr lang="en-US" dirty="0"/>
-              <a:t>10/24/2018</a:t>
+              <a:t>11/6/2018</a:t>
             </a:fld>
             <a:endParaRPr lang="en-US" dirty="0"/>
           </a:p>
@@ -5171,7 +5176,7 @@
           <a:p>
             <a:fld id="{12DE42F4-6EEF-4EF7-8ED4-2208F0F89A08}" type="datetimeFigureOut">
               <a:rPr lang="en-US" dirty="0"/>
-              <a:t>10/24/2018</a:t>
+              <a:t>11/6/2018</a:t>
             </a:fld>
             <a:endParaRPr lang="en-US" dirty="0"/>
           </a:p>
@@ -5555,7 +5560,7 @@
           <a:p>
             <a:fld id="{30578ACC-22D6-47C1-A373-4FD133E34F3C}" type="datetimeFigureOut">
               <a:rPr lang="en-US" dirty="0"/>
-              <a:t>10/24/2018</a:t>
+              <a:t>11/6/2018</a:t>
             </a:fld>
             <a:endParaRPr lang="en-US" dirty="0"/>
           </a:p>
@@ -5926,7 +5931,7 @@
           <a:p>
             <a:fld id="{4E5A6C69-6797-4E8A-BF37-F2C3751466E9}" type="datetimeFigureOut">
               <a:rPr lang="en-US" dirty="0"/>
-              <a:t>10/24/2018</a:t>
+              <a:t>11/6/2018</a:t>
             </a:fld>
             <a:endParaRPr lang="en-US" dirty="0"/>
           </a:p>
@@ -6427,7 +6432,7 @@
           <a:p>
             <a:fld id="{D82014A1-A632-4878-A0D3-F52BA7563730}" type="datetimeFigureOut">
               <a:rPr lang="en-US" dirty="0"/>
-              <a:t>10/24/2018</a:t>
+              <a:t>11/6/2018</a:t>
             </a:fld>
             <a:endParaRPr lang="en-US" dirty="0"/>
           </a:p>
@@ -6679,7 +6684,7 @@
           <a:p>
             <a:fld id="{CE99F462-093F-4566-844B-4C71F2739DA5}" type="datetimeFigureOut">
               <a:rPr lang="en-US" dirty="0"/>
-              <a:t>10/24/2018</a:t>
+              <a:t>11/6/2018</a:t>
             </a:fld>
             <a:endParaRPr lang="en-US" dirty="0"/>
           </a:p>
@@ -6837,7 +6842,7 @@
           <a:p>
             <a:fld id="{3D24A7AC-904D-4781-85BA-7D10C17ED021}" type="datetimeFigureOut">
               <a:rPr lang="en-US" dirty="0"/>
-              <a:t>10/24/2018</a:t>
+              <a:t>11/6/2018</a:t>
             </a:fld>
             <a:endParaRPr lang="en-US" dirty="0"/>
           </a:p>
@@ -7222,7 +7227,7 @@
           <a:p>
             <a:fld id="{E331444B-B92B-4E27-8C94-BB93EAF5CB18}" type="datetimeFigureOut">
               <a:rPr lang="en-US" dirty="0"/>
-              <a:t>10/24/2018</a:t>
+              <a:t>11/6/2018</a:t>
             </a:fld>
             <a:endParaRPr lang="en-US" dirty="0"/>
           </a:p>
@@ -7626,7 +7631,7 @@
           <a:p>
             <a:fld id="{363EFA5E-FA76-400D-B3DC-F0BA90E6D107}" type="datetimeFigureOut">
               <a:rPr lang="en-US" dirty="0"/>
-              <a:t>10/24/2018</a:t>
+              <a:t>11/6/2018</a:t>
             </a:fld>
             <a:endParaRPr lang="en-US" dirty="0"/>
           </a:p>
@@ -7865,7 +7870,7 @@
           <a:p>
             <a:fld id="{9D6E9DEC-419B-4CC5-A080-3B06BD5A8291}" type="datetimeFigureOut">
               <a:rPr lang="en-US" dirty="0"/>
-              <a:t>10/24/2018</a:t>
+              <a:t>11/6/2018</a:t>
             </a:fld>
             <a:endParaRPr lang="en-US" dirty="0"/>
           </a:p>
@@ -9531,12 +9536,6 @@
               </a:rPr>
               <a:t>;</a:t>
             </a:r>
-            <a:endParaRPr lang="es-AR" sz="2000" dirty="0" smtClean="0">
-              <a:solidFill>
-                <a:schemeClr val="bg1"/>
-              </a:solidFill>
-              <a:latin typeface="Consolas" panose="020B0609020204030204" pitchFamily="49" charset="0"/>
-            </a:endParaRPr>
           </a:p>
         </p:txBody>
       </p:sp>
@@ -10095,6 +10094,32 @@
               <a:t>El procedimiento que captura el evento se denomina </a:t>
             </a:r>
             <a:r>
+              <a:rPr lang="es-ES" i="1" dirty="0" smtClean="0">
+                <a:effectLst>
+                  <a:outerShdw blurRad="38100" dist="38100" dir="2700000" algn="tl">
+                    <a:srgbClr val="000000">
+                      <a:alpha val="43137"/>
+                    </a:srgbClr>
+                  </a:outerShdw>
+                </a:effectLst>
+                <a:latin typeface="Franklin Gothic Medium" panose="020B0603020102020204" pitchFamily="34" charset="0"/>
+              </a:rPr>
+              <a:t>receptor</a:t>
+            </a:r>
+            <a:r>
+              <a:rPr lang="es-ES" dirty="0">
+                <a:effectLst>
+                  <a:outerShdw blurRad="38100" dist="38100" dir="2700000" algn="tl">
+                    <a:srgbClr val="000000">
+                      <a:alpha val="43137"/>
+                    </a:srgbClr>
+                  </a:outerShdw>
+                </a:effectLst>
+                <a:latin typeface="Franklin Gothic Medium" panose="020B0603020102020204" pitchFamily="34" charset="0"/>
+              </a:rPr>
+              <a:t> o </a:t>
+            </a:r>
+            <a:r>
               <a:rPr lang="es-ES" i="1" dirty="0">
                 <a:effectLst>
                   <a:outerShdw blurRad="38100" dist="38100" dir="2700000" algn="tl">
@@ -10105,7 +10130,7 @@
                 </a:effectLst>
                 <a:latin typeface="Franklin Gothic Medium" panose="020B0603020102020204" pitchFamily="34" charset="0"/>
               </a:rPr>
-              <a:t>receptor </a:t>
+              <a:t>manejador </a:t>
             </a:r>
             <a:r>
               <a:rPr lang="es-ES" dirty="0">
@@ -10118,10 +10143,10 @@
                 </a:effectLst>
                 <a:latin typeface="Franklin Gothic Medium" panose="020B0603020102020204" pitchFamily="34" charset="0"/>
               </a:rPr>
-              <a:t>del evento o </a:t>
-            </a:r>
-            <a:r>
-              <a:rPr lang="es-ES" i="1" dirty="0">
+              <a:t>del </a:t>
+            </a:r>
+            <a:r>
+              <a:rPr lang="es-ES" dirty="0" smtClean="0">
                 <a:effectLst>
                   <a:outerShdw blurRad="38100" dist="38100" dir="2700000" algn="tl">
                     <a:srgbClr val="000000">
@@ -10131,23 +10156,10 @@
                 </a:effectLst>
                 <a:latin typeface="Franklin Gothic Medium" panose="020B0603020102020204" pitchFamily="34" charset="0"/>
               </a:rPr>
-              <a:t>manejador</a:t>
-            </a:r>
-            <a:r>
-              <a:rPr lang="es-ES" dirty="0">
-                <a:effectLst>
-                  <a:outerShdw blurRad="38100" dist="38100" dir="2700000" algn="tl">
-                    <a:srgbClr val="000000">
-                      <a:alpha val="43137"/>
-                    </a:srgbClr>
-                  </a:outerShdw>
-                </a:effectLst>
-                <a:latin typeface="Franklin Gothic Medium" panose="020B0603020102020204" pitchFamily="34" charset="0"/>
-              </a:rPr>
-              <a:t> del evento</a:t>
-            </a:r>
-            <a:r>
-              <a:rPr lang="es-ES" i="1" dirty="0">
+              <a:t>evento</a:t>
+            </a:r>
+            <a:r>
+              <a:rPr lang="es-ES" i="1" dirty="0" smtClean="0">
                 <a:effectLst>
                   <a:outerShdw blurRad="38100" dist="38100" dir="2700000" algn="tl">
                     <a:srgbClr val="000000">
@@ -10159,6 +10171,16 @@
               </a:rPr>
               <a:t>.</a:t>
             </a:r>
+            <a:endParaRPr lang="es-ES" i="1" dirty="0">
+              <a:effectLst>
+                <a:outerShdw blurRad="38100" dist="38100" dir="2700000" algn="tl">
+                  <a:srgbClr val="000000">
+                    <a:alpha val="43137"/>
+                  </a:srgbClr>
+                </a:outerShdw>
+              </a:effectLst>
+              <a:latin typeface="Franklin Gothic Medium" panose="020B0603020102020204" pitchFamily="34" charset="0"/>
+            </a:endParaRPr>
           </a:p>
           <a:p>
             <a:pPr>
@@ -12421,12 +12443,6 @@
               </a:rPr>
               <a:t>;</a:t>
             </a:r>
-            <a:endParaRPr lang="es-AR" sz="2000" dirty="0" smtClean="0">
-              <a:solidFill>
-                <a:schemeClr val="bg1"/>
-              </a:solidFill>
-              <a:latin typeface="Consolas" panose="020B0609020204030204" pitchFamily="49" charset="0"/>
-            </a:endParaRPr>
           </a:p>
         </p:txBody>
       </p:sp>

--- a/PPTs/ProgramacionII_Clase_23-2018.pptx
+++ b/PPTs/ProgramacionII_Clase_23-2018.pptx
@@ -207,7 +207,7 @@
           <a:p>
             <a:fld id="{9E773DE6-DE1A-4DB8-BCA4-E501DEAF0967}" type="datetimeFigureOut">
               <a:rPr lang="es-AR" smtClean="0"/>
-              <a:t>06/11/2018</a:t>
+              <a:t>08/11/2018</a:t>
             </a:fld>
             <a:endParaRPr lang="es-AR"/>
           </a:p>
@@ -1003,7 +1003,7 @@
           <a:p>
             <a:fld id="{78ABE3C1-DBE1-495D-B57B-2849774B866A}" type="datetimeFigureOut">
               <a:rPr lang="en-US" dirty="0"/>
-              <a:t>11/6/2018</a:t>
+              <a:t>11/8/2018</a:t>
             </a:fld>
             <a:endParaRPr lang="en-US" dirty="0"/>
           </a:p>
@@ -1412,7 +1412,7 @@
           <a:p>
             <a:fld id="{446C117F-5CCF-4837-BE5F-2B92066CAFAF}" type="datetimeFigureOut">
               <a:rPr lang="en-US" dirty="0"/>
-              <a:t>11/6/2018</a:t>
+              <a:t>11/8/2018</a:t>
             </a:fld>
             <a:endParaRPr lang="en-US" dirty="0"/>
           </a:p>
@@ -1743,7 +1743,7 @@
           <a:p>
             <a:fld id="{84EB90BD-B6CE-46B7-997F-7313B992CCDC}" type="datetimeFigureOut">
               <a:rPr lang="en-US" dirty="0"/>
-              <a:t>11/6/2018</a:t>
+              <a:t>11/8/2018</a:t>
             </a:fld>
             <a:endParaRPr lang="en-US" dirty="0"/>
           </a:p>
@@ -2143,7 +2143,7 @@
           <a:p>
             <a:fld id="{CDB9D11F-B188-461D-B23F-39381795C052}" type="datetimeFigureOut">
               <a:rPr lang="en-US" dirty="0"/>
-              <a:t>11/6/2018</a:t>
+              <a:t>11/8/2018</a:t>
             </a:fld>
             <a:endParaRPr lang="en-US" dirty="0"/>
           </a:p>
@@ -2706,7 +2706,7 @@
           <a:p>
             <a:fld id="{52E6D8D9-55A2-4063-B0F3-121F44549695}" type="datetimeFigureOut">
               <a:rPr lang="en-US" dirty="0"/>
-              <a:t>11/6/2018</a:t>
+              <a:t>11/8/2018</a:t>
             </a:fld>
             <a:endParaRPr lang="en-US" dirty="0"/>
           </a:p>
@@ -3382,7 +3382,7 @@
           <a:p>
             <a:fld id="{D4B24536-994D-4021-A283-9F449C0DB509}" type="datetimeFigureOut">
               <a:rPr lang="en-US" dirty="0"/>
-              <a:t>11/6/2018</a:t>
+              <a:t>11/8/2018</a:t>
             </a:fld>
             <a:endParaRPr lang="en-US" dirty="0"/>
           </a:p>
@@ -4290,7 +4290,7 @@
           <a:p>
             <a:fld id="{3CBBBB78-C96F-47B7-AB17-D852CA960AC9}" type="datetimeFigureOut">
               <a:rPr lang="en-US" dirty="0"/>
-              <a:t>11/6/2018</a:t>
+              <a:t>11/8/2018</a:t>
             </a:fld>
             <a:endParaRPr lang="en-US" dirty="0"/>
           </a:p>
@@ -4598,7 +4598,7 @@
           <a:p>
             <a:fld id="{1FA3F48C-C7C6-4055-9F49-3777875E72AE}" type="datetimeFigureOut">
               <a:rPr lang="en-US" dirty="0"/>
-              <a:t>11/6/2018</a:t>
+              <a:t>11/8/2018</a:t>
             </a:fld>
             <a:endParaRPr lang="en-US" dirty="0"/>
           </a:p>
@@ -4857,7 +4857,7 @@
           <a:p>
             <a:fld id="{6178E61D-D431-422C-9764-11DAFE33AB63}" type="datetimeFigureOut">
               <a:rPr lang="en-US" dirty="0"/>
-              <a:t>11/6/2018</a:t>
+              <a:t>11/8/2018</a:t>
             </a:fld>
             <a:endParaRPr lang="en-US" dirty="0"/>
           </a:p>
@@ -5176,7 +5176,7 @@
           <a:p>
             <a:fld id="{12DE42F4-6EEF-4EF7-8ED4-2208F0F89A08}" type="datetimeFigureOut">
               <a:rPr lang="en-US" dirty="0"/>
-              <a:t>11/6/2018</a:t>
+              <a:t>11/8/2018</a:t>
             </a:fld>
             <a:endParaRPr lang="en-US" dirty="0"/>
           </a:p>
@@ -5560,7 +5560,7 @@
           <a:p>
             <a:fld id="{30578ACC-22D6-47C1-A373-4FD133E34F3C}" type="datetimeFigureOut">
               <a:rPr lang="en-US" dirty="0"/>
-              <a:t>11/6/2018</a:t>
+              <a:t>11/8/2018</a:t>
             </a:fld>
             <a:endParaRPr lang="en-US" dirty="0"/>
           </a:p>
@@ -5931,7 +5931,7 @@
           <a:p>
             <a:fld id="{4E5A6C69-6797-4E8A-BF37-F2C3751466E9}" type="datetimeFigureOut">
               <a:rPr lang="en-US" dirty="0"/>
-              <a:t>11/6/2018</a:t>
+              <a:t>11/8/2018</a:t>
             </a:fld>
             <a:endParaRPr lang="en-US" dirty="0"/>
           </a:p>
@@ -6432,7 +6432,7 @@
           <a:p>
             <a:fld id="{D82014A1-A632-4878-A0D3-F52BA7563730}" type="datetimeFigureOut">
               <a:rPr lang="en-US" dirty="0"/>
-              <a:t>11/6/2018</a:t>
+              <a:t>11/8/2018</a:t>
             </a:fld>
             <a:endParaRPr lang="en-US" dirty="0"/>
           </a:p>
@@ -6684,7 +6684,7 @@
           <a:p>
             <a:fld id="{CE99F462-093F-4566-844B-4C71F2739DA5}" type="datetimeFigureOut">
               <a:rPr lang="en-US" dirty="0"/>
-              <a:t>11/6/2018</a:t>
+              <a:t>11/8/2018</a:t>
             </a:fld>
             <a:endParaRPr lang="en-US" dirty="0"/>
           </a:p>
@@ -6842,7 +6842,7 @@
           <a:p>
             <a:fld id="{3D24A7AC-904D-4781-85BA-7D10C17ED021}" type="datetimeFigureOut">
               <a:rPr lang="en-US" dirty="0"/>
-              <a:t>11/6/2018</a:t>
+              <a:t>11/8/2018</a:t>
             </a:fld>
             <a:endParaRPr lang="en-US" dirty="0"/>
           </a:p>
@@ -7227,7 +7227,7 @@
           <a:p>
             <a:fld id="{E331444B-B92B-4E27-8C94-BB93EAF5CB18}" type="datetimeFigureOut">
               <a:rPr lang="en-US" dirty="0"/>
-              <a:t>11/6/2018</a:t>
+              <a:t>11/8/2018</a:t>
             </a:fld>
             <a:endParaRPr lang="en-US" dirty="0"/>
           </a:p>
@@ -7631,7 +7631,7 @@
           <a:p>
             <a:fld id="{363EFA5E-FA76-400D-B3DC-F0BA90E6D107}" type="datetimeFigureOut">
               <a:rPr lang="en-US" dirty="0"/>
-              <a:t>11/6/2018</a:t>
+              <a:t>11/8/2018</a:t>
             </a:fld>
             <a:endParaRPr lang="en-US" dirty="0"/>
           </a:p>
@@ -7870,7 +7870,7 @@
           <a:p>
             <a:fld id="{9D6E9DEC-419B-4CC5-A080-3B06BD5A8291}" type="datetimeFigureOut">
               <a:rPr lang="en-US" dirty="0"/>
-              <a:t>11/6/2018</a:t>
+              <a:t>11/8/2018</a:t>
             </a:fld>
             <a:endParaRPr lang="en-US" dirty="0"/>
           </a:p>
@@ -10731,10 +10731,21 @@
                 </a:effectLst>
                 <a:latin typeface="Franklin Gothic Medium" panose="020B0603020102020204" pitchFamily="34" charset="0"/>
               </a:rPr>
-              <a:t>Los delegados son como los punteros de función de C++, pero tienen seguridad de tipos.</a:t>
-            </a:r>
-          </a:p>
-          <a:p>
+              <a:t>Los delegados son como los punteros de función de C++, pero tienen seguridad de tipos</a:t>
+            </a:r>
+            <a:r>
+              <a:rPr lang="es-AR" dirty="0" smtClean="0">
+                <a:effectLst>
+                  <a:outerShdw blurRad="38100" dist="38100" dir="2700000" algn="tl">
+                    <a:srgbClr val="000000">
+                      <a:alpha val="43137"/>
+                    </a:srgbClr>
+                  </a:outerShdw>
+                </a:effectLst>
+                <a:latin typeface="Franklin Gothic Medium" panose="020B0603020102020204" pitchFamily="34" charset="0"/>
+              </a:rPr>
+              <a:t>.</a:t>
+            </a:r>
             <a:endParaRPr lang="es-AR" dirty="0">
               <a:effectLst>
                 <a:outerShdw blurRad="38100" dist="38100" dir="2700000" algn="tl">
@@ -10758,10 +10769,21 @@
                 </a:effectLst>
                 <a:latin typeface="Franklin Gothic Medium" panose="020B0603020102020204" pitchFamily="34" charset="0"/>
               </a:rPr>
-              <a:t>Los delegados permiten pasar los métodos como parámetros.</a:t>
-            </a:r>
-          </a:p>
-          <a:p>
+              <a:t>Los delegados permiten pasar los métodos como parámetros</a:t>
+            </a:r>
+            <a:r>
+              <a:rPr lang="es-AR" dirty="0" smtClean="0">
+                <a:effectLst>
+                  <a:outerShdw blurRad="38100" dist="38100" dir="2700000" algn="tl">
+                    <a:srgbClr val="000000">
+                      <a:alpha val="43137"/>
+                    </a:srgbClr>
+                  </a:outerShdw>
+                </a:effectLst>
+                <a:latin typeface="Franklin Gothic Medium" panose="020B0603020102020204" pitchFamily="34" charset="0"/>
+              </a:rPr>
+              <a:t>.</a:t>
+            </a:r>
             <a:endParaRPr lang="es-AR" dirty="0">
               <a:effectLst>
                 <a:outerShdw blurRad="38100" dist="38100" dir="2700000" algn="tl">
@@ -10785,10 +10807,21 @@
                 </a:effectLst>
                 <a:latin typeface="Franklin Gothic Medium" panose="020B0603020102020204" pitchFamily="34" charset="0"/>
               </a:rPr>
-              <a:t>Los delegados pueden encadenarse entre sí; por ejemplo, se puede llamar a varios métodos en un solo evento.</a:t>
-            </a:r>
-          </a:p>
-          <a:p>
+              <a:t>Los delegados pueden encadenarse entre sí; por ejemplo, se puede llamar a varios métodos en un solo evento</a:t>
+            </a:r>
+            <a:r>
+              <a:rPr lang="es-AR" dirty="0" smtClean="0">
+                <a:effectLst>
+                  <a:outerShdw blurRad="38100" dist="38100" dir="2700000" algn="tl">
+                    <a:srgbClr val="000000">
+                      <a:alpha val="43137"/>
+                    </a:srgbClr>
+                  </a:outerShdw>
+                </a:effectLst>
+                <a:latin typeface="Franklin Gothic Medium" panose="020B0603020102020204" pitchFamily="34" charset="0"/>
+              </a:rPr>
+              <a:t>.</a:t>
+            </a:r>
             <a:endParaRPr lang="es-AR" dirty="0">
               <a:effectLst>
                 <a:outerShdw blurRad="38100" dist="38100" dir="2700000" algn="tl">
@@ -10814,6 +10847,507 @@
               </a:rPr>
               <a:t>Un Evento puede tener múltiples manejadores y viceversa.</a:t>
             </a:r>
+          </a:p>
+        </p:txBody>
+      </p:sp>
+      <p:sp>
+        <p:nvSpPr>
+          <p:cNvPr id="4" name="Google Shape;408;p22"/>
+          <p:cNvSpPr txBox="1">
+            <a:spLocks/>
+          </p:cNvSpPr>
+          <p:nvPr/>
+        </p:nvSpPr>
+        <p:spPr>
+          <a:xfrm>
+            <a:off x="680320" y="5236701"/>
+            <a:ext cx="9613861" cy="1241372"/>
+          </a:xfrm>
+          <a:prstGeom prst="rect">
+            <a:avLst/>
+          </a:prstGeom>
+          <a:solidFill>
+            <a:srgbClr val="FFFFFF"/>
+          </a:solidFill>
+          <a:ln>
+            <a:noFill/>
+          </a:ln>
+        </p:spPr>
+        <p:txBody>
+          <a:bodyPr spcFirstLastPara="1" wrap="square" lIns="91425" tIns="45700" rIns="91425" bIns="45700" anchor="t" anchorCtr="0">
+            <a:noAutofit/>
+          </a:bodyPr>
+          <a:lstStyle>
+            <a:defPPr marR="0" lvl="0" algn="l" rtl="0">
+              <a:lnSpc>
+                <a:spcPct val="100000"/>
+              </a:lnSpc>
+              <a:spcBef>
+                <a:spcPts val="0"/>
+              </a:spcBef>
+              <a:spcAft>
+                <a:spcPts val="0"/>
+              </a:spcAft>
+            </a:defPPr>
+            <a:lvl1pPr marL="457200" marR="0" lvl="0" indent="-381000" algn="l" rtl="0">
+              <a:lnSpc>
+                <a:spcPct val="90000"/>
+              </a:lnSpc>
+              <a:spcBef>
+                <a:spcPts val="1000"/>
+              </a:spcBef>
+              <a:spcAft>
+                <a:spcPts val="0"/>
+              </a:spcAft>
+              <a:buClr>
+                <a:schemeClr val="lt1"/>
+              </a:buClr>
+              <a:buSzPts val="2400"/>
+              <a:buFont typeface="Arial"/>
+              <a:buChar char="•"/>
+              <a:defRPr sz="2400" b="0" i="0" u="none" strike="noStrike" cap="none">
+                <a:solidFill>
+                  <a:schemeClr val="lt1"/>
+                </a:solidFill>
+                <a:latin typeface="Trebuchet MS"/>
+                <a:ea typeface="Trebuchet MS"/>
+                <a:cs typeface="Trebuchet MS"/>
+                <a:sym typeface="Trebuchet MS"/>
+              </a:defRPr>
+            </a:lvl1pPr>
+            <a:lvl2pPr marL="914400" marR="0" lvl="1" indent="-355600" algn="l" rtl="0">
+              <a:lnSpc>
+                <a:spcPct val="90000"/>
+              </a:lnSpc>
+              <a:spcBef>
+                <a:spcPts val="500"/>
+              </a:spcBef>
+              <a:spcAft>
+                <a:spcPts val="0"/>
+              </a:spcAft>
+              <a:buClr>
+                <a:schemeClr val="lt1"/>
+              </a:buClr>
+              <a:buSzPts val="2000"/>
+              <a:buFont typeface="Arial"/>
+              <a:buChar char="•"/>
+              <a:defRPr sz="2000" b="0" i="0" u="none" strike="noStrike" cap="none">
+                <a:solidFill>
+                  <a:schemeClr val="lt1"/>
+                </a:solidFill>
+                <a:latin typeface="Trebuchet MS"/>
+                <a:ea typeface="Trebuchet MS"/>
+                <a:cs typeface="Trebuchet MS"/>
+                <a:sym typeface="Trebuchet MS"/>
+              </a:defRPr>
+            </a:lvl2pPr>
+            <a:lvl3pPr marL="1371600" marR="0" lvl="2" indent="-342900" algn="l" rtl="0">
+              <a:lnSpc>
+                <a:spcPct val="90000"/>
+              </a:lnSpc>
+              <a:spcBef>
+                <a:spcPts val="500"/>
+              </a:spcBef>
+              <a:spcAft>
+                <a:spcPts val="0"/>
+              </a:spcAft>
+              <a:buClr>
+                <a:schemeClr val="lt1"/>
+              </a:buClr>
+              <a:buSzPts val="1800"/>
+              <a:buFont typeface="Arial"/>
+              <a:buChar char="•"/>
+              <a:defRPr sz="1800" b="0" i="0" u="none" strike="noStrike" cap="none">
+                <a:solidFill>
+                  <a:schemeClr val="lt1"/>
+                </a:solidFill>
+                <a:latin typeface="Trebuchet MS"/>
+                <a:ea typeface="Trebuchet MS"/>
+                <a:cs typeface="Trebuchet MS"/>
+                <a:sym typeface="Trebuchet MS"/>
+              </a:defRPr>
+            </a:lvl3pPr>
+            <a:lvl4pPr marL="1828800" marR="0" lvl="3" indent="-330200" algn="l" rtl="0">
+              <a:lnSpc>
+                <a:spcPct val="90000"/>
+              </a:lnSpc>
+              <a:spcBef>
+                <a:spcPts val="500"/>
+              </a:spcBef>
+              <a:spcAft>
+                <a:spcPts val="0"/>
+              </a:spcAft>
+              <a:buClr>
+                <a:schemeClr val="lt1"/>
+              </a:buClr>
+              <a:buSzPts val="1600"/>
+              <a:buFont typeface="Arial"/>
+              <a:buChar char="•"/>
+              <a:defRPr sz="1600" b="0" i="0" u="none" strike="noStrike" cap="none">
+                <a:solidFill>
+                  <a:schemeClr val="lt1"/>
+                </a:solidFill>
+                <a:latin typeface="Trebuchet MS"/>
+                <a:ea typeface="Trebuchet MS"/>
+                <a:cs typeface="Trebuchet MS"/>
+                <a:sym typeface="Trebuchet MS"/>
+              </a:defRPr>
+            </a:lvl4pPr>
+            <a:lvl5pPr marL="2286000" marR="0" lvl="4" indent="-330200" algn="l" rtl="0">
+              <a:lnSpc>
+                <a:spcPct val="90000"/>
+              </a:lnSpc>
+              <a:spcBef>
+                <a:spcPts val="500"/>
+              </a:spcBef>
+              <a:spcAft>
+                <a:spcPts val="0"/>
+              </a:spcAft>
+              <a:buClr>
+                <a:schemeClr val="lt1"/>
+              </a:buClr>
+              <a:buSzPts val="1600"/>
+              <a:buFont typeface="Arial"/>
+              <a:buChar char="•"/>
+              <a:defRPr sz="1600" b="0" i="0" u="none" strike="noStrike" cap="none">
+                <a:solidFill>
+                  <a:schemeClr val="lt1"/>
+                </a:solidFill>
+                <a:latin typeface="Trebuchet MS"/>
+                <a:ea typeface="Trebuchet MS"/>
+                <a:cs typeface="Trebuchet MS"/>
+                <a:sym typeface="Trebuchet MS"/>
+              </a:defRPr>
+            </a:lvl5pPr>
+            <a:lvl6pPr marL="2743200" marR="0" lvl="5" indent="-317500" algn="l" rtl="0">
+              <a:lnSpc>
+                <a:spcPct val="90000"/>
+              </a:lnSpc>
+              <a:spcBef>
+                <a:spcPts val="500"/>
+              </a:spcBef>
+              <a:spcAft>
+                <a:spcPts val="0"/>
+              </a:spcAft>
+              <a:buClr>
+                <a:schemeClr val="lt1"/>
+              </a:buClr>
+              <a:buSzPts val="1400"/>
+              <a:buFont typeface="Arial"/>
+              <a:buChar char="•"/>
+              <a:defRPr sz="1400" b="0" i="0" u="none" strike="noStrike" cap="none">
+                <a:solidFill>
+                  <a:schemeClr val="lt1"/>
+                </a:solidFill>
+                <a:latin typeface="Trebuchet MS"/>
+                <a:ea typeface="Trebuchet MS"/>
+                <a:cs typeface="Trebuchet MS"/>
+                <a:sym typeface="Trebuchet MS"/>
+              </a:defRPr>
+            </a:lvl6pPr>
+            <a:lvl7pPr marL="3200400" marR="0" lvl="6" indent="-317500" algn="l" rtl="0">
+              <a:lnSpc>
+                <a:spcPct val="90000"/>
+              </a:lnSpc>
+              <a:spcBef>
+                <a:spcPts val="500"/>
+              </a:spcBef>
+              <a:spcAft>
+                <a:spcPts val="0"/>
+              </a:spcAft>
+              <a:buClr>
+                <a:schemeClr val="lt1"/>
+              </a:buClr>
+              <a:buSzPts val="1400"/>
+              <a:buFont typeface="Arial"/>
+              <a:buChar char="•"/>
+              <a:defRPr sz="1400" b="0" i="0" u="none" strike="noStrike" cap="none">
+                <a:solidFill>
+                  <a:schemeClr val="lt1"/>
+                </a:solidFill>
+                <a:latin typeface="Trebuchet MS"/>
+                <a:ea typeface="Trebuchet MS"/>
+                <a:cs typeface="Trebuchet MS"/>
+                <a:sym typeface="Trebuchet MS"/>
+              </a:defRPr>
+            </a:lvl7pPr>
+            <a:lvl8pPr marL="3657600" marR="0" lvl="7" indent="-317500" algn="l" rtl="0">
+              <a:lnSpc>
+                <a:spcPct val="90000"/>
+              </a:lnSpc>
+              <a:spcBef>
+                <a:spcPts val="500"/>
+              </a:spcBef>
+              <a:spcAft>
+                <a:spcPts val="0"/>
+              </a:spcAft>
+              <a:buClr>
+                <a:schemeClr val="lt1"/>
+              </a:buClr>
+              <a:buSzPts val="1400"/>
+              <a:buFont typeface="Arial"/>
+              <a:buChar char="•"/>
+              <a:defRPr sz="1400" b="0" i="0" u="none" strike="noStrike" cap="none">
+                <a:solidFill>
+                  <a:schemeClr val="lt1"/>
+                </a:solidFill>
+                <a:latin typeface="Trebuchet MS"/>
+                <a:ea typeface="Trebuchet MS"/>
+                <a:cs typeface="Trebuchet MS"/>
+                <a:sym typeface="Trebuchet MS"/>
+              </a:defRPr>
+            </a:lvl8pPr>
+            <a:lvl9pPr marL="4114800" marR="0" lvl="8" indent="-317500" algn="l" rtl="0">
+              <a:lnSpc>
+                <a:spcPct val="90000"/>
+              </a:lnSpc>
+              <a:spcBef>
+                <a:spcPts val="500"/>
+              </a:spcBef>
+              <a:spcAft>
+                <a:spcPts val="0"/>
+              </a:spcAft>
+              <a:buClr>
+                <a:schemeClr val="lt1"/>
+              </a:buClr>
+              <a:buSzPts val="1400"/>
+              <a:buFont typeface="Arial"/>
+              <a:buChar char="•"/>
+              <a:defRPr sz="1400" b="0" i="0" u="none" strike="noStrike" cap="none">
+                <a:solidFill>
+                  <a:schemeClr val="lt1"/>
+                </a:solidFill>
+                <a:latin typeface="Trebuchet MS"/>
+                <a:ea typeface="Trebuchet MS"/>
+                <a:cs typeface="Trebuchet MS"/>
+                <a:sym typeface="Trebuchet MS"/>
+              </a:defRPr>
+            </a:lvl9pPr>
+          </a:lstStyle>
+          <a:p>
+            <a:pPr marL="76200" indent="0">
+              <a:spcBef>
+                <a:spcPts val="100"/>
+              </a:spcBef>
+              <a:buNone/>
+            </a:pPr>
+            <a:r>
+              <a:rPr lang="es-AR" sz="2000" dirty="0" err="1">
+                <a:solidFill>
+                  <a:srgbClr val="0000FF"/>
+                </a:solidFill>
+                <a:latin typeface="Consolas" panose="020B0609020204030204" pitchFamily="49" charset="0"/>
+              </a:rPr>
+              <a:t>public</a:t>
+            </a:r>
+            <a:r>
+              <a:rPr lang="es-AR" sz="2000" dirty="0">
+                <a:solidFill>
+                  <a:srgbClr val="000000"/>
+                </a:solidFill>
+                <a:latin typeface="Consolas" panose="020B0609020204030204" pitchFamily="49" charset="0"/>
+              </a:rPr>
+              <a:t> </a:t>
+            </a:r>
+            <a:r>
+              <a:rPr lang="es-AR" sz="2000" dirty="0" err="1">
+                <a:solidFill>
+                  <a:srgbClr val="0000FF"/>
+                </a:solidFill>
+                <a:latin typeface="Consolas" panose="020B0609020204030204" pitchFamily="49" charset="0"/>
+              </a:rPr>
+              <a:t>delegate</a:t>
+            </a:r>
+            <a:r>
+              <a:rPr lang="es-AR" sz="2000" dirty="0">
+                <a:solidFill>
+                  <a:srgbClr val="000000"/>
+                </a:solidFill>
+                <a:latin typeface="Consolas" panose="020B0609020204030204" pitchFamily="49" charset="0"/>
+              </a:rPr>
+              <a:t> </a:t>
+            </a:r>
+            <a:r>
+              <a:rPr lang="es-AR" sz="2000" dirty="0" err="1">
+                <a:solidFill>
+                  <a:srgbClr val="0000FF"/>
+                </a:solidFill>
+                <a:latin typeface="Consolas" panose="020B0609020204030204" pitchFamily="49" charset="0"/>
+              </a:rPr>
+              <a:t>void</a:t>
+            </a:r>
+            <a:r>
+              <a:rPr lang="es-AR" sz="2000" dirty="0">
+                <a:solidFill>
+                  <a:srgbClr val="000000"/>
+                </a:solidFill>
+                <a:latin typeface="Consolas" panose="020B0609020204030204" pitchFamily="49" charset="0"/>
+              </a:rPr>
+              <a:t> </a:t>
+            </a:r>
+            <a:r>
+              <a:rPr lang="es-AR" sz="2000" dirty="0" err="1" smtClean="0">
+                <a:solidFill>
+                  <a:srgbClr val="2B91AF"/>
+                </a:solidFill>
+                <a:latin typeface="Consolas" panose="020B0609020204030204" pitchFamily="49" charset="0"/>
+              </a:rPr>
+              <a:t>MiDelegado</a:t>
+            </a:r>
+            <a:r>
+              <a:rPr lang="es-AR" sz="2000" dirty="0" smtClean="0">
+                <a:solidFill>
+                  <a:srgbClr val="000000"/>
+                </a:solidFill>
+                <a:latin typeface="Consolas" panose="020B0609020204030204" pitchFamily="49" charset="0"/>
+              </a:rPr>
+              <a:t>(</a:t>
+            </a:r>
+            <a:r>
+              <a:rPr lang="es-AR" sz="2000" dirty="0" err="1" smtClean="0">
+                <a:solidFill>
+                  <a:srgbClr val="0000FF"/>
+                </a:solidFill>
+                <a:latin typeface="Consolas" panose="020B0609020204030204" pitchFamily="49" charset="0"/>
+              </a:rPr>
+              <a:t>object</a:t>
+            </a:r>
+            <a:r>
+              <a:rPr lang="es-AR" sz="2000" dirty="0" smtClean="0">
+                <a:solidFill>
+                  <a:srgbClr val="000000"/>
+                </a:solidFill>
+                <a:latin typeface="Consolas" panose="020B0609020204030204" pitchFamily="49" charset="0"/>
+              </a:rPr>
+              <a:t> </a:t>
+            </a:r>
+            <a:r>
+              <a:rPr lang="es-AR" sz="2000" dirty="0" err="1" smtClean="0">
+                <a:solidFill>
+                  <a:srgbClr val="000000"/>
+                </a:solidFill>
+                <a:latin typeface="Consolas" panose="020B0609020204030204" pitchFamily="49" charset="0"/>
+              </a:rPr>
+              <a:t>sender</a:t>
+            </a:r>
+            <a:r>
+              <a:rPr lang="es-AR" sz="2000" dirty="0" smtClean="0">
+                <a:solidFill>
+                  <a:srgbClr val="000000"/>
+                </a:solidFill>
+                <a:latin typeface="Consolas" panose="020B0609020204030204" pitchFamily="49" charset="0"/>
+              </a:rPr>
+              <a:t>, </a:t>
+            </a:r>
+            <a:r>
+              <a:rPr lang="es-AR" sz="2000" dirty="0" err="1" smtClean="0">
+                <a:solidFill>
+                  <a:srgbClr val="0000FF"/>
+                </a:solidFill>
+                <a:latin typeface="Consolas" panose="020B0609020204030204" pitchFamily="49" charset="0"/>
+              </a:rPr>
+              <a:t>EventArgs</a:t>
+            </a:r>
+            <a:r>
+              <a:rPr lang="es-AR" sz="2000" dirty="0" smtClean="0">
+                <a:solidFill>
+                  <a:srgbClr val="000000"/>
+                </a:solidFill>
+                <a:latin typeface="Consolas" panose="020B0609020204030204" pitchFamily="49" charset="0"/>
+              </a:rPr>
+              <a:t> e);</a:t>
+            </a:r>
+          </a:p>
+          <a:p>
+            <a:pPr marL="76200" indent="0">
+              <a:spcBef>
+                <a:spcPts val="100"/>
+              </a:spcBef>
+              <a:buNone/>
+            </a:pPr>
+            <a:endParaRPr lang="es-AR" sz="2000" dirty="0">
+              <a:solidFill>
+                <a:srgbClr val="000000"/>
+              </a:solidFill>
+              <a:latin typeface="Consolas" panose="020B0609020204030204" pitchFamily="49" charset="0"/>
+            </a:endParaRPr>
+          </a:p>
+          <a:p>
+            <a:pPr marL="76200" indent="0">
+              <a:spcBef>
+                <a:spcPts val="100"/>
+              </a:spcBef>
+              <a:buNone/>
+            </a:pPr>
+            <a:r>
+              <a:rPr lang="es-AR" sz="2000" dirty="0" err="1">
+                <a:solidFill>
+                  <a:srgbClr val="0000FF"/>
+                </a:solidFill>
+                <a:latin typeface="Consolas" panose="020B0609020204030204" pitchFamily="49" charset="0"/>
+              </a:rPr>
+              <a:t>public</a:t>
+            </a:r>
+            <a:r>
+              <a:rPr lang="es-AR" sz="2000" dirty="0">
+                <a:solidFill>
+                  <a:srgbClr val="000000"/>
+                </a:solidFill>
+                <a:latin typeface="Consolas" panose="020B0609020204030204" pitchFamily="49" charset="0"/>
+              </a:rPr>
+              <a:t> </a:t>
+            </a:r>
+            <a:r>
+              <a:rPr lang="es-AR" sz="2000" dirty="0" err="1">
+                <a:solidFill>
+                  <a:srgbClr val="0000FF"/>
+                </a:solidFill>
+                <a:latin typeface="Consolas" panose="020B0609020204030204" pitchFamily="49" charset="0"/>
+              </a:rPr>
+              <a:t>event</a:t>
+            </a:r>
+            <a:r>
+              <a:rPr lang="es-AR" sz="2000" dirty="0">
+                <a:solidFill>
+                  <a:srgbClr val="000000"/>
+                </a:solidFill>
+                <a:latin typeface="Consolas" panose="020B0609020204030204" pitchFamily="49" charset="0"/>
+              </a:rPr>
+              <a:t> </a:t>
+            </a:r>
+            <a:r>
+              <a:rPr lang="es-AR" sz="2000" dirty="0" err="1" smtClean="0">
+                <a:solidFill>
+                  <a:srgbClr val="000000"/>
+                </a:solidFill>
+                <a:latin typeface="Consolas" panose="020B0609020204030204" pitchFamily="49" charset="0"/>
+              </a:rPr>
+              <a:t>MiDelegado</a:t>
+            </a:r>
+            <a:r>
+              <a:rPr lang="es-AR" sz="2000" dirty="0" smtClean="0">
+                <a:solidFill>
+                  <a:srgbClr val="000000"/>
+                </a:solidFill>
+                <a:latin typeface="Consolas" panose="020B0609020204030204" pitchFamily="49" charset="0"/>
+              </a:rPr>
+              <a:t> </a:t>
+            </a:r>
+            <a:r>
+              <a:rPr lang="es-AR" sz="2000" smtClean="0">
+                <a:solidFill>
+                  <a:srgbClr val="000000"/>
+                </a:solidFill>
+                <a:latin typeface="Consolas" panose="020B0609020204030204" pitchFamily="49" charset="0"/>
+              </a:rPr>
+              <a:t>ElEvento;</a:t>
+            </a:r>
+            <a:endParaRPr lang="es-AR" sz="2000" dirty="0" smtClean="0">
+              <a:solidFill>
+                <a:schemeClr val="bg1"/>
+              </a:solidFill>
+              <a:latin typeface="Consolas" panose="020B0609020204030204" pitchFamily="49" charset="0"/>
+            </a:endParaRPr>
           </a:p>
         </p:txBody>
       </p:sp>

--- a/PPTs/ProgramacionII_Clase_23-2018.pptx
+++ b/PPTs/ProgramacionII_Clase_23-2018.pptx
@@ -207,7 +207,7 @@
           <a:p>
             <a:fld id="{9E773DE6-DE1A-4DB8-BCA4-E501DEAF0967}" type="datetimeFigureOut">
               <a:rPr lang="es-AR" smtClean="0"/>
-              <a:t>08/11/2018</a:t>
+              <a:t>11/06/2019</a:t>
             </a:fld>
             <a:endParaRPr lang="es-AR"/>
           </a:p>
@@ -1003,7 +1003,7 @@
           <a:p>
             <a:fld id="{78ABE3C1-DBE1-495D-B57B-2849774B866A}" type="datetimeFigureOut">
               <a:rPr lang="en-US" dirty="0"/>
-              <a:t>11/8/2018</a:t>
+              <a:t>6/11/2019</a:t>
             </a:fld>
             <a:endParaRPr lang="en-US" dirty="0"/>
           </a:p>
@@ -1412,7 +1412,7 @@
           <a:p>
             <a:fld id="{446C117F-5CCF-4837-BE5F-2B92066CAFAF}" type="datetimeFigureOut">
               <a:rPr lang="en-US" dirty="0"/>
-              <a:t>11/8/2018</a:t>
+              <a:t>6/11/2019</a:t>
             </a:fld>
             <a:endParaRPr lang="en-US" dirty="0"/>
           </a:p>
@@ -1743,7 +1743,7 @@
           <a:p>
             <a:fld id="{84EB90BD-B6CE-46B7-997F-7313B992CCDC}" type="datetimeFigureOut">
               <a:rPr lang="en-US" dirty="0"/>
-              <a:t>11/8/2018</a:t>
+              <a:t>6/11/2019</a:t>
             </a:fld>
             <a:endParaRPr lang="en-US" dirty="0"/>
           </a:p>
@@ -2143,7 +2143,7 @@
           <a:p>
             <a:fld id="{CDB9D11F-B188-461D-B23F-39381795C052}" type="datetimeFigureOut">
               <a:rPr lang="en-US" dirty="0"/>
-              <a:t>11/8/2018</a:t>
+              <a:t>6/11/2019</a:t>
             </a:fld>
             <a:endParaRPr lang="en-US" dirty="0"/>
           </a:p>
@@ -2706,7 +2706,7 @@
           <a:p>
             <a:fld id="{52E6D8D9-55A2-4063-B0F3-121F44549695}" type="datetimeFigureOut">
               <a:rPr lang="en-US" dirty="0"/>
-              <a:t>11/8/2018</a:t>
+              <a:t>6/11/2019</a:t>
             </a:fld>
             <a:endParaRPr lang="en-US" dirty="0"/>
           </a:p>
@@ -3382,7 +3382,7 @@
           <a:p>
             <a:fld id="{D4B24536-994D-4021-A283-9F449C0DB509}" type="datetimeFigureOut">
               <a:rPr lang="en-US" dirty="0"/>
-              <a:t>11/8/2018</a:t>
+              <a:t>6/11/2019</a:t>
             </a:fld>
             <a:endParaRPr lang="en-US" dirty="0"/>
           </a:p>
@@ -4290,7 +4290,7 @@
           <a:p>
             <a:fld id="{3CBBBB78-C96F-47B7-AB17-D852CA960AC9}" type="datetimeFigureOut">
               <a:rPr lang="en-US" dirty="0"/>
-              <a:t>11/8/2018</a:t>
+              <a:t>6/11/2019</a:t>
             </a:fld>
             <a:endParaRPr lang="en-US" dirty="0"/>
           </a:p>
@@ -4598,7 +4598,7 @@
           <a:p>
             <a:fld id="{1FA3F48C-C7C6-4055-9F49-3777875E72AE}" type="datetimeFigureOut">
               <a:rPr lang="en-US" dirty="0"/>
-              <a:t>11/8/2018</a:t>
+              <a:t>6/11/2019</a:t>
             </a:fld>
             <a:endParaRPr lang="en-US" dirty="0"/>
           </a:p>
@@ -4857,7 +4857,7 @@
           <a:p>
             <a:fld id="{6178E61D-D431-422C-9764-11DAFE33AB63}" type="datetimeFigureOut">
               <a:rPr lang="en-US" dirty="0"/>
-              <a:t>11/8/2018</a:t>
+              <a:t>6/11/2019</a:t>
             </a:fld>
             <a:endParaRPr lang="en-US" dirty="0"/>
           </a:p>
@@ -5176,7 +5176,7 @@
           <a:p>
             <a:fld id="{12DE42F4-6EEF-4EF7-8ED4-2208F0F89A08}" type="datetimeFigureOut">
               <a:rPr lang="en-US" dirty="0"/>
-              <a:t>11/8/2018</a:t>
+              <a:t>6/11/2019</a:t>
             </a:fld>
             <a:endParaRPr lang="en-US" dirty="0"/>
           </a:p>
@@ -5560,7 +5560,7 @@
           <a:p>
             <a:fld id="{30578ACC-22D6-47C1-A373-4FD133E34F3C}" type="datetimeFigureOut">
               <a:rPr lang="en-US" dirty="0"/>
-              <a:t>11/8/2018</a:t>
+              <a:t>6/11/2019</a:t>
             </a:fld>
             <a:endParaRPr lang="en-US" dirty="0"/>
           </a:p>
@@ -5931,7 +5931,7 @@
           <a:p>
             <a:fld id="{4E5A6C69-6797-4E8A-BF37-F2C3751466E9}" type="datetimeFigureOut">
               <a:rPr lang="en-US" dirty="0"/>
-              <a:t>11/8/2018</a:t>
+              <a:t>6/11/2019</a:t>
             </a:fld>
             <a:endParaRPr lang="en-US" dirty="0"/>
           </a:p>
@@ -6432,7 +6432,7 @@
           <a:p>
             <a:fld id="{D82014A1-A632-4878-A0D3-F52BA7563730}" type="datetimeFigureOut">
               <a:rPr lang="en-US" dirty="0"/>
-              <a:t>11/8/2018</a:t>
+              <a:t>6/11/2019</a:t>
             </a:fld>
             <a:endParaRPr lang="en-US" dirty="0"/>
           </a:p>
@@ -6684,7 +6684,7 @@
           <a:p>
             <a:fld id="{CE99F462-093F-4566-844B-4C71F2739DA5}" type="datetimeFigureOut">
               <a:rPr lang="en-US" dirty="0"/>
-              <a:t>11/8/2018</a:t>
+              <a:t>6/11/2019</a:t>
             </a:fld>
             <a:endParaRPr lang="en-US" dirty="0"/>
           </a:p>
@@ -6842,7 +6842,7 @@
           <a:p>
             <a:fld id="{3D24A7AC-904D-4781-85BA-7D10C17ED021}" type="datetimeFigureOut">
               <a:rPr lang="en-US" dirty="0"/>
-              <a:t>11/8/2018</a:t>
+              <a:t>6/11/2019</a:t>
             </a:fld>
             <a:endParaRPr lang="en-US" dirty="0"/>
           </a:p>
@@ -7227,7 +7227,7 @@
           <a:p>
             <a:fld id="{E331444B-B92B-4E27-8C94-BB93EAF5CB18}" type="datetimeFigureOut">
               <a:rPr lang="en-US" dirty="0"/>
-              <a:t>11/8/2018</a:t>
+              <a:t>6/11/2019</a:t>
             </a:fld>
             <a:endParaRPr lang="en-US" dirty="0"/>
           </a:p>
@@ -7631,7 +7631,7 @@
           <a:p>
             <a:fld id="{363EFA5E-FA76-400D-B3DC-F0BA90E6D107}" type="datetimeFigureOut">
               <a:rPr lang="en-US" dirty="0"/>
-              <a:t>11/8/2018</a:t>
+              <a:t>6/11/2019</a:t>
             </a:fld>
             <a:endParaRPr lang="en-US" dirty="0"/>
           </a:p>
@@ -7870,7 +7870,7 @@
           <a:p>
             <a:fld id="{9D6E9DEC-419B-4CC5-A080-3B06BD5A8291}" type="datetimeFigureOut">
               <a:rPr lang="en-US" dirty="0"/>
-              <a:t>11/8/2018</a:t>
+              <a:t>6/11/2019</a:t>
             </a:fld>
             <a:endParaRPr lang="en-US" dirty="0"/>
           </a:p>
@@ -8462,6 +8462,13 @@
   <p:clrMapOvr>
     <a:masterClrMapping/>
   </p:clrMapOvr>
+  <p:timing>
+    <p:tnLst>
+      <p:par>
+        <p:cTn id="1" dur="indefinite" restart="never" nodeType="tmRoot"/>
+      </p:par>
+    </p:tnLst>
+  </p:timing>
 </p:sld>
 </file>
 
@@ -9630,7 +9637,59 @@
                 </a:effectLst>
                 <a:latin typeface="Franklin Gothic Medium" panose="020B0603020102020204" pitchFamily="34" charset="0"/>
               </a:rPr>
-              <a:t>Un evento es el modo que tiene una clase en particular de proporcionar notificaciones a sus clientes cuando ocurre algo en particular dentro del objeto.</a:t>
+              <a:t>Un evento es el modo que tiene una </a:t>
+            </a:r>
+            <a:r>
+              <a:rPr lang="es-AR">
+                <a:effectLst>
+                  <a:outerShdw blurRad="38100" dist="38100" dir="2700000" algn="tl">
+                    <a:srgbClr val="000000">
+                      <a:alpha val="43137"/>
+                    </a:srgbClr>
+                  </a:outerShdw>
+                </a:effectLst>
+                <a:latin typeface="Franklin Gothic Medium" panose="020B0603020102020204" pitchFamily="34" charset="0"/>
+              </a:rPr>
+              <a:t>clase </a:t>
+            </a:r>
+            <a:r>
+              <a:rPr lang="es-AR" smtClean="0">
+                <a:effectLst>
+                  <a:outerShdw blurRad="38100" dist="38100" dir="2700000" algn="tl">
+                    <a:srgbClr val="000000">
+                      <a:alpha val="43137"/>
+                    </a:srgbClr>
+                  </a:outerShdw>
+                </a:effectLst>
+                <a:latin typeface="Franklin Gothic Medium" panose="020B0603020102020204" pitchFamily="34" charset="0"/>
+              </a:rPr>
+              <a:t>dada </a:t>
+            </a:r>
+            <a:r>
+              <a:rPr lang="es-AR" dirty="0" smtClean="0">
+                <a:effectLst>
+                  <a:outerShdw blurRad="38100" dist="38100" dir="2700000" algn="tl">
+                    <a:srgbClr val="000000">
+                      <a:alpha val="43137"/>
+                    </a:srgbClr>
+                  </a:outerShdw>
+                </a:effectLst>
+                <a:latin typeface="Franklin Gothic Medium" panose="020B0603020102020204" pitchFamily="34" charset="0"/>
+              </a:rPr>
+              <a:t>de </a:t>
+            </a:r>
+            <a:r>
+              <a:rPr lang="es-AR" dirty="0">
+                <a:effectLst>
+                  <a:outerShdw blurRad="38100" dist="38100" dir="2700000" algn="tl">
+                    <a:srgbClr val="000000">
+                      <a:alpha val="43137"/>
+                    </a:srgbClr>
+                  </a:outerShdw>
+                </a:effectLst>
+                <a:latin typeface="Franklin Gothic Medium" panose="020B0603020102020204" pitchFamily="34" charset="0"/>
+              </a:rPr>
+              <a:t>proporcionar notificaciones a sus clientes cuando ocurre algo en particular dentro del objeto.</a:t>
             </a:r>
           </a:p>
           <a:p>
@@ -9763,6 +9822,13 @@
   <p:clrMapOvr>
     <a:masterClrMapping/>
   </p:clrMapOvr>
+  <p:timing>
+    <p:tnLst>
+      <p:par>
+        <p:cTn id="1" dur="indefinite" restart="never" nodeType="tmRoot"/>
+      </p:par>
+    </p:tnLst>
+  </p:timing>
 </p:sld>
 </file>
 
@@ -9931,6 +9997,13 @@
   <p:clrMapOvr>
     <a:masterClrMapping/>
   </p:clrMapOvr>
+  <p:timing>
+    <p:tnLst>
+      <p:par>
+        <p:cTn id="1" dur="indefinite" restart="never" nodeType="tmRoot"/>
+      </p:par>
+    </p:tnLst>
+  </p:timing>
 </p:sld>
 </file>
 
@@ -10295,6 +10368,13 @@
   <p:clrMapOvr>
     <a:masterClrMapping/>
   </p:clrMapOvr>
+  <p:timing>
+    <p:tnLst>
+      <p:par>
+        <p:cTn id="1" dur="indefinite" restart="never" nodeType="tmRoot"/>
+      </p:par>
+    </p:tnLst>
+  </p:timing>
 </p:sld>
 </file>
 
@@ -10480,6 +10560,13 @@
   <p:clrMapOvr>
     <a:masterClrMapping/>
   </p:clrMapOvr>
+  <p:timing>
+    <p:tnLst>
+      <p:par>
+        <p:cTn id="1" dur="indefinite" restart="never" nodeType="tmRoot"/>
+      </p:par>
+    </p:tnLst>
+  </p:timing>
 </p:sld>
 </file>
 
@@ -10655,6 +10742,13 @@
   <p:clrMapOvr>
     <a:masterClrMapping/>
   </p:clrMapOvr>
+  <p:timing>
+    <p:tnLst>
+      <p:par>
+        <p:cTn id="1" dur="indefinite" restart="never" nodeType="tmRoot"/>
+      </p:par>
+    </p:tnLst>
+  </p:timing>
 </p:sld>
 </file>
 
